--- a/2-Java-Programmer-Modulo-II/05.Capitulo01.pptx
+++ b/2-Java-Programmer-Modulo-II/05.Capitulo01.pptx
@@ -252,7 +252,7 @@
               <a:pPr>
                 <a:defRPr/>
               </a:pPr>
-              <a:t>25/02/2012</a:t>
+              <a:t>04/04/2012</a:t>
             </a:fld>
             <a:endParaRPr lang="pt-BR"/>
           </a:p>
@@ -1504,7 +1504,7 @@
               <a:pPr>
                 <a:defRPr/>
               </a:pPr>
-              <a:t>25/02/2012</a:t>
+              <a:t>04/04/2012</a:t>
             </a:fld>
             <a:endParaRPr lang="pt-BR"/>
           </a:p>
@@ -1696,7 +1696,7 @@
               <a:pPr>
                 <a:defRPr/>
               </a:pPr>
-              <a:t>25/02/2012</a:t>
+              <a:t>04/04/2012</a:t>
             </a:fld>
             <a:endParaRPr lang="pt-BR"/>
           </a:p>
@@ -1898,7 +1898,7 @@
               <a:pPr>
                 <a:defRPr/>
               </a:pPr>
-              <a:t>25/02/2012</a:t>
+              <a:t>04/04/2012</a:t>
             </a:fld>
             <a:endParaRPr lang="pt-BR"/>
           </a:p>
@@ -2094,7 +2094,7 @@
               <a:pPr>
                 <a:defRPr/>
               </a:pPr>
-              <a:t>25/02/2012</a:t>
+              <a:t>04/04/2012</a:t>
             </a:fld>
             <a:endParaRPr lang="pt-BR"/>
           </a:p>
@@ -2600,7 +2600,7 @@
               <a:pPr>
                 <a:defRPr/>
               </a:pPr>
-              <a:t>25/02/2012</a:t>
+              <a:t>04/04/2012</a:t>
             </a:fld>
             <a:endParaRPr lang="pt-BR"/>
           </a:p>
@@ -2891,7 +2891,7 @@
               <a:pPr>
                 <a:defRPr/>
               </a:pPr>
-              <a:t>25/02/2012</a:t>
+              <a:t>04/04/2012</a:t>
             </a:fld>
             <a:endParaRPr lang="pt-BR"/>
           </a:p>
@@ -3292,7 +3292,7 @@
               <a:pPr>
                 <a:defRPr/>
               </a:pPr>
-              <a:t>25/02/2012</a:t>
+              <a:t>04/04/2012</a:t>
             </a:fld>
             <a:endParaRPr lang="pt-BR"/>
           </a:p>
@@ -3441,7 +3441,7 @@
               <a:pPr>
                 <a:defRPr/>
               </a:pPr>
-              <a:t>25/02/2012</a:t>
+              <a:t>04/04/2012</a:t>
             </a:fld>
             <a:endParaRPr lang="pt-BR"/>
           </a:p>
@@ -3558,7 +3558,7 @@
               <a:pPr>
                 <a:defRPr/>
               </a:pPr>
-              <a:t>25/02/2012</a:t>
+              <a:t>04/04/2012</a:t>
             </a:fld>
             <a:endParaRPr lang="pt-BR"/>
           </a:p>
@@ -3834,7 +3834,7 @@
               <a:pPr>
                 <a:defRPr/>
               </a:pPr>
-              <a:t>25/02/2012</a:t>
+              <a:t>04/04/2012</a:t>
             </a:fld>
             <a:endParaRPr lang="pt-BR"/>
           </a:p>
@@ -4118,7 +4118,7 @@
               <a:pPr>
                 <a:defRPr/>
               </a:pPr>
-              <a:t>25/02/2012</a:t>
+              <a:t>04/04/2012</a:t>
             </a:fld>
             <a:endParaRPr lang="pt-BR"/>
           </a:p>
@@ -4596,7 +4596,7 @@
               <a:pPr>
                 <a:defRPr/>
               </a:pPr>
-              <a:t>25/02/2012</a:t>
+              <a:t>04/04/2012</a:t>
             </a:fld>
             <a:endParaRPr lang="pt-BR"/>
           </a:p>
@@ -5315,33 +5315,8 @@
             </a:pPr>
             <a:r>
               <a:rPr lang="pt-BR" dirty="0" smtClean="0"/>
-              <a:t>Através da </a:t>
-            </a:r>
-            <a:r>
-              <a:rPr lang="pt-BR" dirty="0" smtClean="0"/>
-              <a:t>importação estática </a:t>
-            </a:r>
-            <a:r>
-              <a:rPr lang="pt-BR" dirty="0" smtClean="0"/>
-              <a:t>podemos </a:t>
-            </a:r>
-            <a:r>
-              <a:rPr lang="pt-BR" dirty="0" smtClean="0"/>
-              <a:t>“encurtar” a sintaxe da chamada </a:t>
-            </a:r>
-            <a:r>
-              <a:rPr lang="pt-BR" dirty="0" smtClean="0"/>
-              <a:t>do </a:t>
-            </a:r>
-            <a:r>
-              <a:rPr lang="pt-BR" dirty="0" smtClean="0"/>
-              <a:t>método </a:t>
-            </a:r>
-            <a:r>
-              <a:rPr lang="pt-BR" dirty="0" smtClean="0"/>
-              <a:t>desejado.</a:t>
-            </a:r>
-            <a:endParaRPr lang="pt-BR" dirty="0" smtClean="0"/>
+              <a:t>Através da importação estática podemos “encurtar” a sintaxe da chamada do método desejado.</a:t>
+            </a:r>
           </a:p>
           <a:p>
             <a:pPr eaLnBrk="1" hangingPunct="1">
@@ -5474,7 +5449,6 @@
               <a:rPr lang="pt-BR" sz="2400" dirty="0" smtClean="0"/>
               <a:t> importação estática...</a:t>
             </a:r>
-            <a:endParaRPr lang="pt-BR" sz="2400" dirty="0" smtClean="0"/>
           </a:p>
           <a:p>
             <a:pPr marL="0" lvl="1" indent="0">
@@ -5485,11 +5459,7 @@
                 <a:tab pos="722313" algn="l"/>
               </a:tabLst>
             </a:pPr>
-            <a:endParaRPr lang="pt-BR" sz="2000" dirty="0" smtClean="0">
-              <a:solidFill>
-                <a:srgbClr val="FFC000"/>
-              </a:solidFill>
-            </a:endParaRPr>
+            <a:endParaRPr lang="pt-BR" sz="2000" dirty="0" smtClean="0"/>
           </a:p>
           <a:p>
             <a:pPr marL="0" lvl="1" indent="0">
@@ -5502,18 +5472,34 @@
               </a:tabLst>
             </a:pPr>
             <a:r>
-              <a:rPr lang="pt-BR" sz="2000" u="sng" dirty="0" err="1" smtClean="0"/>
+              <a:rPr lang="pt-BR" sz="2000" u="sng" dirty="0" err="1" smtClean="0">
+                <a:solidFill>
+                  <a:srgbClr val="FFC000"/>
+                </a:solidFill>
+              </a:rPr>
               <a:t>import</a:t>
             </a:r>
             <a:r>
-              <a:rPr lang="pt-BR" sz="2000" dirty="0" smtClean="0"/>
+              <a:rPr lang="pt-BR" sz="2000" dirty="0" smtClean="0">
+                <a:solidFill>
+                  <a:srgbClr val="FFC000"/>
+                </a:solidFill>
+              </a:rPr>
               <a:t> br.com.impacta.</a:t>
             </a:r>
             <a:r>
-              <a:rPr lang="pt-BR" sz="2000" dirty="0" err="1" smtClean="0"/>
+              <a:rPr lang="pt-BR" sz="2000" dirty="0" err="1" smtClean="0">
+                <a:solidFill>
+                  <a:srgbClr val="FFC000"/>
+                </a:solidFill>
+              </a:rPr>
               <a:t>util.StringUtils;</a:t>
             </a:r>
-            <a:endParaRPr lang="pt-BR" sz="2000" dirty="0" smtClean="0"/>
+            <a:endParaRPr lang="pt-BR" sz="2000" dirty="0" smtClean="0">
+              <a:solidFill>
+                <a:srgbClr val="FFC000"/>
+              </a:solidFill>
+            </a:endParaRPr>
           </a:p>
           <a:p>
             <a:pPr marL="0" lvl="1" indent="0">
@@ -5550,52 +5536,20 @@
               </a:tabLst>
             </a:pPr>
             <a:r>
-              <a:rPr lang="pt-BR" sz="2000" dirty="0" err="1" smtClean="0">
-                <a:solidFill>
-                  <a:srgbClr val="FFC000"/>
-                </a:solidFill>
-              </a:rPr>
+              <a:rPr lang="pt-BR" sz="2000" dirty="0" err="1" smtClean="0"/>
               <a:t>public</a:t>
             </a:r>
             <a:r>
-              <a:rPr lang="pt-BR" sz="2000" dirty="0" smtClean="0">
-                <a:solidFill>
-                  <a:srgbClr val="FFC000"/>
-                </a:solidFill>
-              </a:rPr>
+              <a:rPr lang="pt-BR" sz="2000" dirty="0" smtClean="0"/>
               <a:t> </a:t>
             </a:r>
             <a:r>
-              <a:rPr lang="pt-BR" sz="2000" dirty="0" err="1" smtClean="0">
-                <a:solidFill>
-                  <a:srgbClr val="FFC000"/>
-                </a:solidFill>
-              </a:rPr>
+              <a:rPr lang="pt-BR" sz="2000" dirty="0" err="1" smtClean="0"/>
               <a:t>class</a:t>
             </a:r>
             <a:r>
-              <a:rPr lang="pt-BR" sz="2000" dirty="0" smtClean="0">
-                <a:solidFill>
-                  <a:srgbClr val="FFC000"/>
-                </a:solidFill>
-              </a:rPr>
-              <a:t> </a:t>
-            </a:r>
-            <a:r>
-              <a:rPr lang="pt-BR" sz="2000" dirty="0" smtClean="0">
-                <a:solidFill>
-                  <a:srgbClr val="FFC000"/>
-                </a:solidFill>
-              </a:rPr>
-              <a:t>Exemplo </a:t>
-            </a:r>
-            <a:r>
-              <a:rPr lang="pt-BR" sz="2000" dirty="0" smtClean="0">
-                <a:solidFill>
-                  <a:srgbClr val="FFC000"/>
-                </a:solidFill>
-              </a:rPr>
-              <a:t>{</a:t>
+              <a:rPr lang="pt-BR" sz="2000" dirty="0" smtClean="0"/>
+              <a:t> Exemplo {</a:t>
             </a:r>
           </a:p>
           <a:p>
@@ -5609,91 +5563,47 @@
               </a:tabLst>
             </a:pPr>
             <a:r>
-              <a:rPr lang="pt-BR" sz="2000" dirty="0" smtClean="0">
-                <a:solidFill>
-                  <a:srgbClr val="FFC000"/>
-                </a:solidFill>
-              </a:rPr>
+              <a:rPr lang="pt-BR" sz="2000" dirty="0" smtClean="0"/>
               <a:t>	</a:t>
             </a:r>
             <a:r>
-              <a:rPr lang="pt-BR" sz="2000" dirty="0" err="1" smtClean="0">
-                <a:solidFill>
-                  <a:srgbClr val="FFC000"/>
-                </a:solidFill>
-              </a:rPr>
+              <a:rPr lang="pt-BR" sz="2000" dirty="0" err="1" smtClean="0"/>
               <a:t>public</a:t>
             </a:r>
             <a:r>
-              <a:rPr lang="pt-BR" sz="2000" dirty="0" smtClean="0">
-                <a:solidFill>
-                  <a:srgbClr val="FFC000"/>
-                </a:solidFill>
-              </a:rPr>
+              <a:rPr lang="pt-BR" sz="2000" dirty="0" smtClean="0"/>
               <a:t> </a:t>
             </a:r>
             <a:r>
-              <a:rPr lang="pt-BR" sz="2000" dirty="0" err="1" smtClean="0">
-                <a:solidFill>
-                  <a:srgbClr val="FFC000"/>
-                </a:solidFill>
-              </a:rPr>
+              <a:rPr lang="pt-BR" sz="2000" dirty="0" err="1" smtClean="0"/>
               <a:t>static</a:t>
             </a:r>
             <a:r>
-              <a:rPr lang="pt-BR" sz="2000" dirty="0" smtClean="0">
-                <a:solidFill>
-                  <a:srgbClr val="FFC000"/>
-                </a:solidFill>
-              </a:rPr>
+              <a:rPr lang="pt-BR" sz="2000" dirty="0" smtClean="0"/>
               <a:t> </a:t>
             </a:r>
             <a:r>
-              <a:rPr lang="pt-BR" sz="2000" dirty="0" err="1" smtClean="0">
-                <a:solidFill>
-                  <a:srgbClr val="FFC000"/>
-                </a:solidFill>
-              </a:rPr>
+              <a:rPr lang="pt-BR" sz="2000" dirty="0" err="1" smtClean="0"/>
               <a:t>void</a:t>
             </a:r>
             <a:r>
-              <a:rPr lang="pt-BR" sz="2000" dirty="0" smtClean="0">
-                <a:solidFill>
-                  <a:srgbClr val="FFC000"/>
-                </a:solidFill>
-              </a:rPr>
+              <a:rPr lang="pt-BR" sz="2000" dirty="0" smtClean="0"/>
               <a:t> </a:t>
             </a:r>
             <a:r>
-              <a:rPr lang="pt-BR" sz="2000" dirty="0" err="1" smtClean="0">
-                <a:solidFill>
-                  <a:srgbClr val="FFC000"/>
-                </a:solidFill>
-              </a:rPr>
+              <a:rPr lang="pt-BR" sz="2000" dirty="0" err="1" smtClean="0"/>
               <a:t>main</a:t>
             </a:r>
             <a:r>
-              <a:rPr lang="pt-BR" sz="2000" dirty="0" smtClean="0">
-                <a:solidFill>
-                  <a:srgbClr val="FFC000"/>
-                </a:solidFill>
-              </a:rPr>
+              <a:rPr lang="pt-BR" sz="2000" dirty="0" smtClean="0"/>
               <a:t>(String </a:t>
             </a:r>
             <a:r>
-              <a:rPr lang="pt-BR" sz="2000" dirty="0" err="1" smtClean="0">
-                <a:solidFill>
-                  <a:srgbClr val="FFC000"/>
-                </a:solidFill>
-              </a:rPr>
+              <a:rPr lang="pt-BR" sz="2000" dirty="0" err="1" smtClean="0"/>
               <a:t>args</a:t>
             </a:r>
             <a:r>
-              <a:rPr lang="pt-BR" sz="2000" dirty="0" smtClean="0">
-                <a:solidFill>
-                  <a:srgbClr val="FFC000"/>
-                </a:solidFill>
-              </a:rPr>
+              <a:rPr lang="pt-BR" sz="2000" dirty="0" smtClean="0"/>
               <a:t>[]) {</a:t>
             </a:r>
           </a:p>
@@ -5708,12 +5618,32 @@
               </a:tabLst>
             </a:pPr>
             <a:r>
+              <a:rPr lang="pt-BR" sz="2000" dirty="0" smtClean="0"/>
+              <a:t>		String </a:t>
+            </a:r>
+            <a:r>
+              <a:rPr lang="pt-BR" sz="2000" dirty="0" err="1" smtClean="0"/>
+              <a:t>result</a:t>
+            </a:r>
+            <a:r>
+              <a:rPr lang="pt-BR" sz="2000" dirty="0" smtClean="0"/>
+              <a:t> = </a:t>
+            </a:r>
+            <a:r>
+              <a:rPr lang="pt-BR" sz="2000" dirty="0" err="1" smtClean="0">
+                <a:solidFill>
+                  <a:srgbClr val="FFC000"/>
+                </a:solidFill>
+              </a:rPr>
+              <a:t>StringUtils</a:t>
+            </a:r>
+            <a:r>
               <a:rPr lang="pt-BR" sz="2000" dirty="0" smtClean="0">
                 <a:solidFill>
                   <a:srgbClr val="FFC000"/>
                 </a:solidFill>
               </a:rPr>
-              <a:t>		String </a:t>
+              <a:t>.</a:t>
             </a:r>
             <a:r>
               <a:rPr lang="pt-BR" sz="2000" dirty="0" err="1" smtClean="0">
@@ -5721,34 +5651,10 @@
                   <a:srgbClr val="FFC000"/>
                 </a:solidFill>
               </a:rPr>
-              <a:t>result</a:t>
-            </a:r>
-            <a:r>
-              <a:rPr lang="pt-BR" sz="2000" dirty="0" smtClean="0">
-                <a:solidFill>
-                  <a:srgbClr val="FFC000"/>
-                </a:solidFill>
-              </a:rPr>
-              <a:t> = </a:t>
-            </a:r>
-            <a:r>
-              <a:rPr lang="pt-BR" sz="2000" dirty="0" err="1" smtClean="0"/>
-              <a:t>StringUtils</a:t>
+              <a:t>inverterString</a:t>
             </a:r>
             <a:r>
               <a:rPr lang="pt-BR" sz="2000" dirty="0" smtClean="0"/>
-              <a:t>.</a:t>
-            </a:r>
-            <a:r>
-              <a:rPr lang="pt-BR" sz="2000" dirty="0" err="1" smtClean="0"/>
-              <a:t>inverterString</a:t>
-            </a:r>
-            <a:r>
-              <a:rPr lang="pt-BR" sz="2000" dirty="0" smtClean="0">
-                <a:solidFill>
-                  <a:srgbClr val="FFC000"/>
-                </a:solidFill>
-              </a:rPr>
               <a:t>(“Impacta”);</a:t>
             </a:r>
           </a:p>
@@ -5763,40 +5669,24 @@
               </a:tabLst>
             </a:pPr>
             <a:r>
+              <a:rPr lang="pt-BR" sz="2000" dirty="0" smtClean="0"/>
+              <a:t>		</a:t>
+            </a:r>
+            <a:r>
+              <a:rPr lang="pt-BR" sz="2000" dirty="0" err="1" smtClean="0">
+                <a:solidFill>
+                  <a:srgbClr val="FFC000"/>
+                </a:solidFill>
+              </a:rPr>
+              <a:t>StringUtils</a:t>
+            </a:r>
+            <a:r>
               <a:rPr lang="pt-BR" sz="2000" dirty="0" smtClean="0">
                 <a:solidFill>
                   <a:srgbClr val="FFC000"/>
                 </a:solidFill>
               </a:rPr>
-              <a:t>	</a:t>
-            </a:r>
-            <a:r>
-              <a:rPr lang="pt-BR" sz="2000" dirty="0" smtClean="0">
-                <a:solidFill>
-                  <a:srgbClr val="FFC000"/>
-                </a:solidFill>
-              </a:rPr>
-              <a:t>	</a:t>
-            </a:r>
-            <a:r>
-              <a:rPr lang="pt-BR" sz="2000" dirty="0" err="1" smtClean="0"/>
-              <a:t>StringUtils</a:t>
-            </a:r>
-            <a:r>
-              <a:rPr lang="pt-BR" sz="2000" dirty="0" smtClean="0"/>
               <a:t>.</a:t>
-            </a:r>
-            <a:r>
-              <a:rPr lang="pt-BR" sz="2000" dirty="0" err="1" smtClean="0"/>
-              <a:t>salvarNaLista</a:t>
-            </a:r>
-            <a:r>
-              <a:rPr lang="pt-BR" sz="2000" dirty="0" smtClean="0">
-                <a:solidFill>
-                  <a:srgbClr val="FFC000"/>
-                </a:solidFill>
-              </a:rPr>
-              <a:t>(“Joaquim de </a:t>
             </a:r>
             <a:r>
               <a:rPr lang="pt-BR" sz="2000" dirty="0" err="1" smtClean="0">
@@ -5804,14 +5694,18 @@
                   <a:srgbClr val="FFC000"/>
                 </a:solidFill>
               </a:rPr>
+              <a:t>salvarNaLista</a:t>
+            </a:r>
+            <a:r>
+              <a:rPr lang="pt-BR" sz="2000" dirty="0" smtClean="0"/>
+              <a:t>(“Joaquim de </a:t>
+            </a:r>
+            <a:r>
+              <a:rPr lang="pt-BR" sz="2000" dirty="0" err="1" smtClean="0"/>
               <a:t>almeida</a:t>
             </a:r>
             <a:r>
-              <a:rPr lang="pt-BR" sz="2000" dirty="0" smtClean="0">
-                <a:solidFill>
-                  <a:srgbClr val="FFC000"/>
-                </a:solidFill>
-              </a:rPr>
+              <a:rPr lang="pt-BR" sz="2000" dirty="0" smtClean="0"/>
               <a:t>”);</a:t>
             </a:r>
           </a:p>
@@ -5826,35 +5720,15 @@
               </a:tabLst>
             </a:pPr>
             <a:r>
-              <a:rPr lang="pt-BR" sz="2000" dirty="0" smtClean="0">
-                <a:solidFill>
-                  <a:srgbClr val="FFC000"/>
-                </a:solidFill>
-              </a:rPr>
-              <a:t>	</a:t>
-            </a:r>
-            <a:r>
-              <a:rPr lang="pt-BR" sz="2000" dirty="0" smtClean="0">
-                <a:solidFill>
-                  <a:srgbClr val="FFC000"/>
-                </a:solidFill>
-              </a:rPr>
-              <a:t>	System.</a:t>
-            </a:r>
-            <a:r>
-              <a:rPr lang="pt-BR" sz="2000" dirty="0" err="1" smtClean="0">
-                <a:solidFill>
-                  <a:srgbClr val="FFC000"/>
-                </a:solidFill>
-              </a:rPr>
+              <a:rPr lang="pt-BR" sz="2000" dirty="0" smtClean="0"/>
+              <a:t>		System.</a:t>
+            </a:r>
+            <a:r>
+              <a:rPr lang="pt-BR" sz="2000" dirty="0" err="1" smtClean="0"/>
               <a:t>out.println</a:t>
             </a:r>
             <a:r>
-              <a:rPr lang="pt-BR" sz="2000" dirty="0" smtClean="0">
-                <a:solidFill>
-                  <a:srgbClr val="FFC000"/>
-                </a:solidFill>
-              </a:rPr>
+              <a:rPr lang="pt-BR" sz="2000" dirty="0" smtClean="0"/>
               <a:t>(</a:t>
             </a:r>
           </a:p>
@@ -5869,40 +5743,24 @@
               </a:tabLst>
             </a:pPr>
             <a:r>
+              <a:rPr lang="pt-BR" sz="2000" dirty="0" smtClean="0"/>
+              <a:t>			</a:t>
+            </a:r>
+            <a:r>
+              <a:rPr lang="pt-BR" sz="2000" dirty="0" err="1" smtClean="0">
+                <a:solidFill>
+                  <a:srgbClr val="FFC000"/>
+                </a:solidFill>
+              </a:rPr>
+              <a:t>StringUtils</a:t>
+            </a:r>
+            <a:r>
               <a:rPr lang="pt-BR" sz="2000" dirty="0" smtClean="0">
                 <a:solidFill>
                   <a:srgbClr val="FFC000"/>
                 </a:solidFill>
               </a:rPr>
-              <a:t>	</a:t>
-            </a:r>
-            <a:r>
-              <a:rPr lang="pt-BR" sz="2000" dirty="0" smtClean="0">
-                <a:solidFill>
-                  <a:srgbClr val="FFC000"/>
-                </a:solidFill>
-              </a:rPr>
-              <a:t>		</a:t>
-            </a:r>
-            <a:r>
-              <a:rPr lang="pt-BR" sz="2000" dirty="0" err="1" smtClean="0"/>
-              <a:t>StringUtils</a:t>
-            </a:r>
-            <a:r>
-              <a:rPr lang="pt-BR" sz="2000" dirty="0" smtClean="0"/>
               <a:t>.</a:t>
-            </a:r>
-            <a:r>
-              <a:rPr lang="pt-BR" sz="2000" dirty="0" err="1" smtClean="0"/>
-              <a:t>traduzirTexto</a:t>
-            </a:r>
-            <a:r>
-              <a:rPr lang="pt-BR" sz="2000" dirty="0" smtClean="0">
-                <a:solidFill>
-                  <a:srgbClr val="FFC000"/>
-                </a:solidFill>
-              </a:rPr>
-              <a:t>(“</a:t>
             </a:r>
             <a:r>
               <a:rPr lang="pt-BR" sz="2000" dirty="0" err="1" smtClean="0">
@@ -5910,69 +5768,44 @@
                   <a:srgbClr val="FFC000"/>
                 </a:solidFill>
               </a:rPr>
+              <a:t>traduzirTexto</a:t>
+            </a:r>
+            <a:r>
+              <a:rPr lang="pt-BR" sz="2000" dirty="0" smtClean="0"/>
+              <a:t>(“</a:t>
+            </a:r>
+            <a:r>
+              <a:rPr lang="pt-BR" sz="2000" dirty="0" err="1" smtClean="0"/>
               <a:t>The</a:t>
             </a:r>
             <a:r>
-              <a:rPr lang="pt-BR" sz="2000" dirty="0" smtClean="0">
-                <a:solidFill>
-                  <a:srgbClr val="FFC000"/>
-                </a:solidFill>
-              </a:rPr>
+              <a:rPr lang="pt-BR" sz="2000" dirty="0" smtClean="0"/>
               <a:t> book is </a:t>
             </a:r>
             <a:r>
-              <a:rPr lang="pt-BR" sz="2000" dirty="0" err="1" smtClean="0">
-                <a:solidFill>
-                  <a:srgbClr val="FFC000"/>
-                </a:solidFill>
-              </a:rPr>
+              <a:rPr lang="pt-BR" sz="2000" dirty="0" err="1" smtClean="0"/>
               <a:t>on</a:t>
             </a:r>
             <a:r>
-              <a:rPr lang="pt-BR" sz="2000" dirty="0" smtClean="0">
-                <a:solidFill>
-                  <a:srgbClr val="FFC000"/>
-                </a:solidFill>
-              </a:rPr>
+              <a:rPr lang="pt-BR" sz="2000" dirty="0" smtClean="0"/>
               <a:t> </a:t>
             </a:r>
             <a:r>
-              <a:rPr lang="pt-BR" sz="2000" dirty="0" err="1" smtClean="0">
-                <a:solidFill>
-                  <a:srgbClr val="FFC000"/>
-                </a:solidFill>
-              </a:rPr>
+              <a:rPr lang="pt-BR" sz="2000" dirty="0" err="1" smtClean="0"/>
               <a:t>the</a:t>
             </a:r>
             <a:r>
-              <a:rPr lang="pt-BR" sz="2000" dirty="0" smtClean="0">
-                <a:solidFill>
-                  <a:srgbClr val="FFC000"/>
-                </a:solidFill>
-              </a:rPr>
+              <a:rPr lang="pt-BR" sz="2000" dirty="0" smtClean="0"/>
               <a:t> </a:t>
             </a:r>
             <a:r>
-              <a:rPr lang="pt-BR" sz="2000" dirty="0" err="1" smtClean="0">
-                <a:solidFill>
-                  <a:srgbClr val="FFC000"/>
-                </a:solidFill>
-              </a:rPr>
+              <a:rPr lang="pt-BR" sz="2000" dirty="0" err="1" smtClean="0"/>
               <a:t>table</a:t>
             </a:r>
             <a:r>
-              <a:rPr lang="pt-BR" sz="2000" dirty="0" smtClean="0">
-                <a:solidFill>
-                  <a:srgbClr val="FFC000"/>
-                </a:solidFill>
-              </a:rPr>
+              <a:rPr lang="pt-BR" sz="2000" dirty="0" smtClean="0"/>
               <a:t>”));</a:t>
             </a:r>
-            <a:endParaRPr lang="pt-BR" sz="2000" dirty="0" smtClean="0">
-              <a:solidFill>
-                <a:srgbClr val="FFC000"/>
-              </a:solidFill>
-            </a:endParaRPr>
           </a:p>
           <a:p>
             <a:pPr marL="0" lvl="1" indent="0">
@@ -5985,11 +5818,7 @@
               </a:tabLst>
             </a:pPr>
             <a:r>
-              <a:rPr lang="pt-BR" sz="2000" dirty="0" smtClean="0">
-                <a:solidFill>
-                  <a:srgbClr val="FFC000"/>
-                </a:solidFill>
-              </a:rPr>
+              <a:rPr lang="pt-BR" sz="2000" dirty="0" smtClean="0"/>
               <a:t>	}</a:t>
             </a:r>
           </a:p>
@@ -6004,11 +5833,7 @@
               </a:tabLst>
             </a:pPr>
             <a:r>
-              <a:rPr lang="pt-BR" sz="2000" dirty="0" smtClean="0">
-                <a:solidFill>
-                  <a:srgbClr val="FFC000"/>
-                </a:solidFill>
-              </a:rPr>
+              <a:rPr lang="pt-BR" sz="2000" dirty="0" smtClean="0"/>
               <a:t>}</a:t>
             </a:r>
           </a:p>
@@ -6135,7 +5960,6 @@
               <a:rPr lang="pt-BR" sz="2400" dirty="0" smtClean="0"/>
               <a:t> importação estática...</a:t>
             </a:r>
-            <a:endParaRPr lang="pt-BR" sz="2400" dirty="0" smtClean="0"/>
           </a:p>
           <a:p>
             <a:pPr marL="0" lvl="1" indent="0">
@@ -6146,11 +5970,7 @@
                 <a:tab pos="722313" algn="l"/>
               </a:tabLst>
             </a:pPr>
-            <a:endParaRPr lang="pt-BR" sz="2000" dirty="0" smtClean="0">
-              <a:solidFill>
-                <a:srgbClr val="FFC000"/>
-              </a:solidFill>
-            </a:endParaRPr>
+            <a:endParaRPr lang="pt-BR" sz="2000" dirty="0" smtClean="0"/>
           </a:p>
           <a:p>
             <a:pPr marL="0" lvl="1" indent="0">
@@ -6162,30 +5982,50 @@
               </a:tabLst>
             </a:pPr>
             <a:r>
-              <a:rPr lang="pt-BR" sz="2000" u="sng" dirty="0" err="1" smtClean="0"/>
+              <a:rPr lang="pt-BR" sz="2000" u="sng" dirty="0" err="1" smtClean="0">
+                <a:solidFill>
+                  <a:srgbClr val="FFC000"/>
+                </a:solidFill>
+              </a:rPr>
               <a:t>import</a:t>
             </a:r>
             <a:r>
-              <a:rPr lang="pt-BR" sz="2000" u="sng" dirty="0" smtClean="0"/>
+              <a:rPr lang="pt-BR" sz="2000" u="sng" dirty="0" smtClean="0">
+                <a:solidFill>
+                  <a:srgbClr val="FFC000"/>
+                </a:solidFill>
+              </a:rPr>
               <a:t> </a:t>
             </a:r>
             <a:r>
-              <a:rPr lang="pt-BR" sz="2000" u="sng" dirty="0" err="1" smtClean="0"/>
+              <a:rPr lang="pt-BR" sz="2000" u="sng" dirty="0" err="1" smtClean="0">
+                <a:solidFill>
+                  <a:srgbClr val="FFC000"/>
+                </a:solidFill>
+              </a:rPr>
               <a:t>static</a:t>
             </a:r>
             <a:r>
-              <a:rPr lang="pt-BR" sz="2000" dirty="0" smtClean="0"/>
-              <a:t> </a:t>
-            </a:r>
-            <a:r>
-              <a:rPr lang="pt-BR" sz="2000" dirty="0" smtClean="0"/>
-              <a:t>br.com.impacta.</a:t>
-            </a:r>
-            <a:r>
-              <a:rPr lang="pt-BR" sz="2000" dirty="0" err="1" smtClean="0"/>
+              <a:rPr lang="pt-BR" sz="2000" dirty="0" smtClean="0">
+                <a:solidFill>
+                  <a:srgbClr val="FFC000"/>
+                </a:solidFill>
+              </a:rPr>
+              <a:t> br.com.impacta.</a:t>
+            </a:r>
+            <a:r>
+              <a:rPr lang="pt-BR" sz="2000" dirty="0" err="1" smtClean="0">
+                <a:solidFill>
+                  <a:srgbClr val="FFC000"/>
+                </a:solidFill>
+              </a:rPr>
               <a:t>util.StringUtils.inverterString;</a:t>
             </a:r>
-            <a:endParaRPr lang="pt-BR" sz="2000" dirty="0" smtClean="0"/>
+            <a:endParaRPr lang="pt-BR" sz="2000" dirty="0" smtClean="0">
+              <a:solidFill>
+                <a:srgbClr val="FFC000"/>
+              </a:solidFill>
+            </a:endParaRPr>
           </a:p>
           <a:p>
             <a:pPr marL="0" lvl="1" indent="0">
@@ -6197,30 +6037,50 @@
               </a:tabLst>
             </a:pPr>
             <a:r>
-              <a:rPr lang="pt-BR" sz="2000" u="sng" dirty="0" err="1" smtClean="0"/>
+              <a:rPr lang="pt-BR" sz="2000" u="sng" dirty="0" err="1" smtClean="0">
+                <a:solidFill>
+                  <a:srgbClr val="FFC000"/>
+                </a:solidFill>
+              </a:rPr>
               <a:t>import</a:t>
             </a:r>
             <a:r>
-              <a:rPr lang="pt-BR" sz="2000" u="sng" dirty="0" smtClean="0"/>
+              <a:rPr lang="pt-BR" sz="2000" u="sng" dirty="0" smtClean="0">
+                <a:solidFill>
+                  <a:srgbClr val="FFC000"/>
+                </a:solidFill>
+              </a:rPr>
               <a:t> </a:t>
             </a:r>
             <a:r>
-              <a:rPr lang="pt-BR" sz="2000" u="sng" dirty="0" err="1" smtClean="0"/>
+              <a:rPr lang="pt-BR" sz="2000" u="sng" dirty="0" err="1" smtClean="0">
+                <a:solidFill>
+                  <a:srgbClr val="FFC000"/>
+                </a:solidFill>
+              </a:rPr>
               <a:t>static</a:t>
             </a:r>
             <a:r>
-              <a:rPr lang="pt-BR" sz="2000" dirty="0" smtClean="0"/>
-              <a:t> </a:t>
-            </a:r>
-            <a:r>
-              <a:rPr lang="pt-BR" sz="2000" dirty="0" smtClean="0"/>
-              <a:t>br.com.impacta.</a:t>
-            </a:r>
-            <a:r>
-              <a:rPr lang="pt-BR" sz="2000" dirty="0" err="1" smtClean="0"/>
+              <a:rPr lang="pt-BR" sz="2000" dirty="0" smtClean="0">
+                <a:solidFill>
+                  <a:srgbClr val="FFC000"/>
+                </a:solidFill>
+              </a:rPr>
+              <a:t> br.com.impacta.</a:t>
+            </a:r>
+            <a:r>
+              <a:rPr lang="pt-BR" sz="2000" dirty="0" err="1" smtClean="0">
+                <a:solidFill>
+                  <a:srgbClr val="FFC000"/>
+                </a:solidFill>
+              </a:rPr>
               <a:t>util.StringUtils.salvarNaLista;</a:t>
             </a:r>
-            <a:endParaRPr lang="pt-BR" sz="2000" dirty="0" smtClean="0"/>
+            <a:endParaRPr lang="pt-BR" sz="2000" dirty="0" smtClean="0">
+              <a:solidFill>
+                <a:srgbClr val="FFC000"/>
+              </a:solidFill>
+            </a:endParaRPr>
           </a:p>
           <a:p>
             <a:pPr marL="0" lvl="1" indent="0">
@@ -6232,30 +6092,50 @@
               </a:tabLst>
             </a:pPr>
             <a:r>
-              <a:rPr lang="pt-BR" sz="2000" u="sng" dirty="0" err="1" smtClean="0"/>
+              <a:rPr lang="pt-BR" sz="2000" u="sng" dirty="0" err="1" smtClean="0">
+                <a:solidFill>
+                  <a:srgbClr val="FFC000"/>
+                </a:solidFill>
+              </a:rPr>
               <a:t>import</a:t>
             </a:r>
             <a:r>
-              <a:rPr lang="pt-BR" sz="2000" u="sng" dirty="0" smtClean="0"/>
+              <a:rPr lang="pt-BR" sz="2000" u="sng" dirty="0" smtClean="0">
+                <a:solidFill>
+                  <a:srgbClr val="FFC000"/>
+                </a:solidFill>
+              </a:rPr>
               <a:t> </a:t>
             </a:r>
             <a:r>
-              <a:rPr lang="pt-BR" sz="2000" u="sng" dirty="0" err="1" smtClean="0"/>
+              <a:rPr lang="pt-BR" sz="2000" u="sng" dirty="0" err="1" smtClean="0">
+                <a:solidFill>
+                  <a:srgbClr val="FFC000"/>
+                </a:solidFill>
+              </a:rPr>
               <a:t>static</a:t>
             </a:r>
             <a:r>
-              <a:rPr lang="pt-BR" sz="2000" dirty="0" smtClean="0"/>
-              <a:t> </a:t>
-            </a:r>
-            <a:r>
-              <a:rPr lang="pt-BR" sz="2000" dirty="0" smtClean="0"/>
-              <a:t>br.com.impacta.</a:t>
-            </a:r>
-            <a:r>
-              <a:rPr lang="pt-BR" sz="2000" dirty="0" err="1" smtClean="0"/>
+              <a:rPr lang="pt-BR" sz="2000" dirty="0" smtClean="0">
+                <a:solidFill>
+                  <a:srgbClr val="FFC000"/>
+                </a:solidFill>
+              </a:rPr>
+              <a:t> br.com.impacta.</a:t>
+            </a:r>
+            <a:r>
+              <a:rPr lang="pt-BR" sz="2000" dirty="0" err="1" smtClean="0">
+                <a:solidFill>
+                  <a:srgbClr val="FFC000"/>
+                </a:solidFill>
+              </a:rPr>
               <a:t>util.StringUtils.traduzirTexto;</a:t>
             </a:r>
-            <a:endParaRPr lang="pt-BR" sz="2000" dirty="0" smtClean="0"/>
+            <a:endParaRPr lang="pt-BR" sz="2000" dirty="0" smtClean="0">
+              <a:solidFill>
+                <a:srgbClr val="FFC000"/>
+              </a:solidFill>
+            </a:endParaRPr>
           </a:p>
           <a:p>
             <a:pPr marL="0" lvl="1" indent="0">
@@ -6268,52 +6148,20 @@
               </a:tabLst>
             </a:pPr>
             <a:r>
-              <a:rPr lang="pt-BR" sz="2000" dirty="0" err="1" smtClean="0">
-                <a:solidFill>
-                  <a:srgbClr val="FFC000"/>
-                </a:solidFill>
-              </a:rPr>
+              <a:rPr lang="pt-BR" sz="2000" dirty="0" err="1" smtClean="0"/>
               <a:t>public</a:t>
             </a:r>
             <a:r>
-              <a:rPr lang="pt-BR" sz="2000" dirty="0" smtClean="0">
-                <a:solidFill>
-                  <a:srgbClr val="FFC000"/>
-                </a:solidFill>
-              </a:rPr>
+              <a:rPr lang="pt-BR" sz="2000" dirty="0" smtClean="0"/>
               <a:t> </a:t>
             </a:r>
             <a:r>
-              <a:rPr lang="pt-BR" sz="2000" dirty="0" err="1" smtClean="0">
-                <a:solidFill>
-                  <a:srgbClr val="FFC000"/>
-                </a:solidFill>
-              </a:rPr>
+              <a:rPr lang="pt-BR" sz="2000" dirty="0" err="1" smtClean="0"/>
               <a:t>class</a:t>
             </a:r>
             <a:r>
-              <a:rPr lang="pt-BR" sz="2000" dirty="0" smtClean="0">
-                <a:solidFill>
-                  <a:srgbClr val="FFC000"/>
-                </a:solidFill>
-              </a:rPr>
-              <a:t> </a:t>
-            </a:r>
-            <a:r>
-              <a:rPr lang="pt-BR" sz="2000" dirty="0" smtClean="0">
-                <a:solidFill>
-                  <a:srgbClr val="FFC000"/>
-                </a:solidFill>
-              </a:rPr>
-              <a:t>Exemplo </a:t>
-            </a:r>
-            <a:r>
-              <a:rPr lang="pt-BR" sz="2000" dirty="0" smtClean="0">
-                <a:solidFill>
-                  <a:srgbClr val="FFC000"/>
-                </a:solidFill>
-              </a:rPr>
-              <a:t>{</a:t>
+              <a:rPr lang="pt-BR" sz="2000" dirty="0" smtClean="0"/>
+              <a:t> Exemplo {</a:t>
             </a:r>
           </a:p>
           <a:p>
@@ -6327,91 +6175,47 @@
               </a:tabLst>
             </a:pPr>
             <a:r>
-              <a:rPr lang="pt-BR" sz="2000" dirty="0" smtClean="0">
-                <a:solidFill>
-                  <a:srgbClr val="FFC000"/>
-                </a:solidFill>
-              </a:rPr>
+              <a:rPr lang="pt-BR" sz="2000" dirty="0" smtClean="0"/>
               <a:t>	</a:t>
             </a:r>
             <a:r>
-              <a:rPr lang="pt-BR" sz="2000" dirty="0" err="1" smtClean="0">
-                <a:solidFill>
-                  <a:srgbClr val="FFC000"/>
-                </a:solidFill>
-              </a:rPr>
+              <a:rPr lang="pt-BR" sz="2000" dirty="0" err="1" smtClean="0"/>
               <a:t>public</a:t>
             </a:r>
             <a:r>
-              <a:rPr lang="pt-BR" sz="2000" dirty="0" smtClean="0">
-                <a:solidFill>
-                  <a:srgbClr val="FFC000"/>
-                </a:solidFill>
-              </a:rPr>
+              <a:rPr lang="pt-BR" sz="2000" dirty="0" smtClean="0"/>
               <a:t> </a:t>
             </a:r>
             <a:r>
-              <a:rPr lang="pt-BR" sz="2000" dirty="0" err="1" smtClean="0">
-                <a:solidFill>
-                  <a:srgbClr val="FFC000"/>
-                </a:solidFill>
-              </a:rPr>
+              <a:rPr lang="pt-BR" sz="2000" dirty="0" err="1" smtClean="0"/>
               <a:t>static</a:t>
             </a:r>
             <a:r>
-              <a:rPr lang="pt-BR" sz="2000" dirty="0" smtClean="0">
-                <a:solidFill>
-                  <a:srgbClr val="FFC000"/>
-                </a:solidFill>
-              </a:rPr>
+              <a:rPr lang="pt-BR" sz="2000" dirty="0" smtClean="0"/>
               <a:t> </a:t>
             </a:r>
             <a:r>
-              <a:rPr lang="pt-BR" sz="2000" dirty="0" err="1" smtClean="0">
-                <a:solidFill>
-                  <a:srgbClr val="FFC000"/>
-                </a:solidFill>
-              </a:rPr>
+              <a:rPr lang="pt-BR" sz="2000" dirty="0" err="1" smtClean="0"/>
               <a:t>void</a:t>
             </a:r>
             <a:r>
-              <a:rPr lang="pt-BR" sz="2000" dirty="0" smtClean="0">
-                <a:solidFill>
-                  <a:srgbClr val="FFC000"/>
-                </a:solidFill>
-              </a:rPr>
+              <a:rPr lang="pt-BR" sz="2000" dirty="0" smtClean="0"/>
               <a:t> </a:t>
             </a:r>
             <a:r>
-              <a:rPr lang="pt-BR" sz="2000" dirty="0" err="1" smtClean="0">
-                <a:solidFill>
-                  <a:srgbClr val="FFC000"/>
-                </a:solidFill>
-              </a:rPr>
+              <a:rPr lang="pt-BR" sz="2000" dirty="0" err="1" smtClean="0"/>
               <a:t>main</a:t>
             </a:r>
             <a:r>
-              <a:rPr lang="pt-BR" sz="2000" dirty="0" smtClean="0">
-                <a:solidFill>
-                  <a:srgbClr val="FFC000"/>
-                </a:solidFill>
-              </a:rPr>
+              <a:rPr lang="pt-BR" sz="2000" dirty="0" smtClean="0"/>
               <a:t>(String </a:t>
             </a:r>
             <a:r>
-              <a:rPr lang="pt-BR" sz="2000" dirty="0" err="1" smtClean="0">
-                <a:solidFill>
-                  <a:srgbClr val="FFC000"/>
-                </a:solidFill>
-              </a:rPr>
+              <a:rPr lang="pt-BR" sz="2000" dirty="0" err="1" smtClean="0"/>
               <a:t>args</a:t>
             </a:r>
             <a:r>
-              <a:rPr lang="pt-BR" sz="2000" dirty="0" smtClean="0">
-                <a:solidFill>
-                  <a:srgbClr val="FFC000"/>
-                </a:solidFill>
-              </a:rPr>
+              <a:rPr lang="pt-BR" sz="2000" dirty="0" smtClean="0"/>
               <a:t>[]) {</a:t>
             </a:r>
           </a:p>
@@ -6426,12 +6230,16 @@
               </a:tabLst>
             </a:pPr>
             <a:r>
-              <a:rPr lang="pt-BR" sz="2000" dirty="0" smtClean="0">
-                <a:solidFill>
-                  <a:srgbClr val="FFC000"/>
-                </a:solidFill>
-              </a:rPr>
+              <a:rPr lang="pt-BR" sz="2000" dirty="0" smtClean="0"/>
               <a:t>		String </a:t>
+            </a:r>
+            <a:r>
+              <a:rPr lang="pt-BR" sz="2000" dirty="0" err="1" smtClean="0"/>
+              <a:t>result</a:t>
+            </a:r>
+            <a:r>
+              <a:rPr lang="pt-BR" sz="2000" dirty="0" smtClean="0"/>
+              <a:t> = </a:t>
             </a:r>
             <a:r>
               <a:rPr lang="pt-BR" sz="2000" dirty="0" err="1" smtClean="0">
@@ -6439,26 +6247,10 @@
                   <a:srgbClr val="FFC000"/>
                 </a:solidFill>
               </a:rPr>
-              <a:t>result</a:t>
-            </a:r>
-            <a:r>
-              <a:rPr lang="pt-BR" sz="2000" dirty="0" smtClean="0">
-                <a:solidFill>
-                  <a:srgbClr val="FFC000"/>
-                </a:solidFill>
-              </a:rPr>
-              <a:t> = </a:t>
-            </a:r>
-            <a:r>
-              <a:rPr lang="pt-BR" sz="2000" dirty="0" err="1" smtClean="0"/>
               <a:t>inverterString</a:t>
             </a:r>
             <a:r>
-              <a:rPr lang="pt-BR" sz="2000" dirty="0" smtClean="0">
-                <a:solidFill>
-                  <a:srgbClr val="FFC000"/>
-                </a:solidFill>
-              </a:rPr>
+              <a:rPr lang="pt-BR" sz="2000" dirty="0" smtClean="0"/>
               <a:t>(“Impacta”);</a:t>
             </a:r>
           </a:p>
@@ -6473,32 +6265,8 @@
               </a:tabLst>
             </a:pPr>
             <a:r>
-              <a:rPr lang="pt-BR" sz="2000" dirty="0" smtClean="0">
-                <a:solidFill>
-                  <a:srgbClr val="FFC000"/>
-                </a:solidFill>
-              </a:rPr>
-              <a:t>	</a:t>
-            </a:r>
-            <a:r>
-              <a:rPr lang="pt-BR" sz="2000" dirty="0" smtClean="0">
-                <a:solidFill>
-                  <a:srgbClr val="FFC000"/>
-                </a:solidFill>
-              </a:rPr>
-              <a:t>	</a:t>
-            </a:r>
-            <a:r>
-              <a:rPr lang="pt-BR" sz="2000" dirty="0" err="1" smtClean="0"/>
-              <a:t>salvarNaLista</a:t>
-            </a:r>
-            <a:r>
-              <a:rPr lang="pt-BR" sz="2000" dirty="0" smtClean="0">
-                <a:solidFill>
-                  <a:srgbClr val="FFC000"/>
-                </a:solidFill>
-              </a:rPr>
-              <a:t>(“Joaquim de </a:t>
+              <a:rPr lang="pt-BR" sz="2000" dirty="0" smtClean="0"/>
+              <a:t>		</a:t>
             </a:r>
             <a:r>
               <a:rPr lang="pt-BR" sz="2000" dirty="0" err="1" smtClean="0">
@@ -6506,14 +6274,18 @@
                   <a:srgbClr val="FFC000"/>
                 </a:solidFill>
               </a:rPr>
+              <a:t>salvarNaLista</a:t>
+            </a:r>
+            <a:r>
+              <a:rPr lang="pt-BR" sz="2000" dirty="0" smtClean="0"/>
+              <a:t>(“Joaquim de </a:t>
+            </a:r>
+            <a:r>
+              <a:rPr lang="pt-BR" sz="2000" dirty="0" err="1" smtClean="0"/>
               <a:t>almeida</a:t>
             </a:r>
             <a:r>
-              <a:rPr lang="pt-BR" sz="2000" dirty="0" smtClean="0">
-                <a:solidFill>
-                  <a:srgbClr val="FFC000"/>
-                </a:solidFill>
-              </a:rPr>
+              <a:rPr lang="pt-BR" sz="2000" dirty="0" smtClean="0"/>
               <a:t>”);</a:t>
             </a:r>
           </a:p>
@@ -6528,20 +6300,16 @@
               </a:tabLst>
             </a:pPr>
             <a:r>
-              <a:rPr lang="pt-BR" sz="2000" dirty="0" smtClean="0">
-                <a:solidFill>
-                  <a:srgbClr val="FFC000"/>
-                </a:solidFill>
-              </a:rPr>
-              <a:t>	</a:t>
-            </a:r>
-            <a:r>
-              <a:rPr lang="pt-BR" sz="2000" dirty="0" smtClean="0">
-                <a:solidFill>
-                  <a:srgbClr val="FFC000"/>
-                </a:solidFill>
-              </a:rPr>
-              <a:t>	System.</a:t>
+              <a:rPr lang="pt-BR" sz="2000" dirty="0" smtClean="0"/>
+              <a:t>		System.</a:t>
+            </a:r>
+            <a:r>
+              <a:rPr lang="pt-BR" sz="2000" dirty="0" err="1" smtClean="0"/>
+              <a:t>out.println</a:t>
+            </a:r>
+            <a:r>
+              <a:rPr lang="pt-BR" sz="2000" dirty="0" smtClean="0"/>
+              <a:t>(</a:t>
             </a:r>
             <a:r>
               <a:rPr lang="pt-BR" sz="2000" dirty="0" err="1" smtClean="0">
@@ -6549,97 +6317,44 @@
                   <a:srgbClr val="FFC000"/>
                 </a:solidFill>
               </a:rPr>
-              <a:t>out.println</a:t>
-            </a:r>
-            <a:r>
-              <a:rPr lang="pt-BR" sz="2000" dirty="0" smtClean="0">
-                <a:solidFill>
-                  <a:srgbClr val="FFC000"/>
-                </a:solidFill>
-              </a:rPr>
-              <a:t>(</a:t>
+              <a:t>traduzirTexto</a:t>
+            </a:r>
+            <a:r>
+              <a:rPr lang="pt-BR" sz="2000" dirty="0" smtClean="0"/>
+              <a:t>(“</a:t>
             </a:r>
             <a:r>
               <a:rPr lang="pt-BR" sz="2000" dirty="0" err="1" smtClean="0"/>
-              <a:t>traduzirTexto</a:t>
-            </a:r>
-            <a:r>
-              <a:rPr lang="pt-BR" sz="2000" dirty="0" smtClean="0">
-                <a:solidFill>
-                  <a:srgbClr val="FFC000"/>
-                </a:solidFill>
-              </a:rPr>
-              <a:t>(“</a:t>
-            </a:r>
-            <a:r>
-              <a:rPr lang="pt-BR" sz="2000" dirty="0" err="1" smtClean="0">
-                <a:solidFill>
-                  <a:srgbClr val="FFC000"/>
-                </a:solidFill>
-              </a:rPr>
               <a:t>The</a:t>
             </a:r>
             <a:r>
-              <a:rPr lang="pt-BR" sz="2000" dirty="0" smtClean="0">
-                <a:solidFill>
-                  <a:srgbClr val="FFC000"/>
-                </a:solidFill>
-              </a:rPr>
+              <a:rPr lang="pt-BR" sz="2000" dirty="0" smtClean="0"/>
               <a:t> book is </a:t>
             </a:r>
             <a:r>
-              <a:rPr lang="pt-BR" sz="2000" dirty="0" err="1" smtClean="0">
-                <a:solidFill>
-                  <a:srgbClr val="FFC000"/>
-                </a:solidFill>
-              </a:rPr>
+              <a:rPr lang="pt-BR" sz="2000" dirty="0" err="1" smtClean="0"/>
               <a:t>on</a:t>
             </a:r>
             <a:r>
-              <a:rPr lang="pt-BR" sz="2000" dirty="0" smtClean="0">
-                <a:solidFill>
-                  <a:srgbClr val="FFC000"/>
-                </a:solidFill>
-              </a:rPr>
+              <a:rPr lang="pt-BR" sz="2000" dirty="0" smtClean="0"/>
               <a:t> </a:t>
             </a:r>
             <a:r>
-              <a:rPr lang="pt-BR" sz="2000" dirty="0" err="1" smtClean="0">
-                <a:solidFill>
-                  <a:srgbClr val="FFC000"/>
-                </a:solidFill>
-              </a:rPr>
+              <a:rPr lang="pt-BR" sz="2000" dirty="0" err="1" smtClean="0"/>
               <a:t>the</a:t>
             </a:r>
             <a:r>
-              <a:rPr lang="pt-BR" sz="2000" dirty="0" smtClean="0">
-                <a:solidFill>
-                  <a:srgbClr val="FFC000"/>
-                </a:solidFill>
-              </a:rPr>
+              <a:rPr lang="pt-BR" sz="2000" dirty="0" smtClean="0"/>
               <a:t> </a:t>
             </a:r>
             <a:r>
-              <a:rPr lang="pt-BR" sz="2000" dirty="0" err="1" smtClean="0">
-                <a:solidFill>
-                  <a:srgbClr val="FFC000"/>
-                </a:solidFill>
-              </a:rPr>
+              <a:rPr lang="pt-BR" sz="2000" dirty="0" err="1" smtClean="0"/>
               <a:t>table</a:t>
             </a:r>
             <a:r>
-              <a:rPr lang="pt-BR" sz="2000" dirty="0" smtClean="0">
-                <a:solidFill>
-                  <a:srgbClr val="FFC000"/>
-                </a:solidFill>
-              </a:rPr>
+              <a:rPr lang="pt-BR" sz="2000" dirty="0" smtClean="0"/>
               <a:t>”));</a:t>
             </a:r>
-            <a:endParaRPr lang="pt-BR" sz="2000" dirty="0" smtClean="0">
-              <a:solidFill>
-                <a:srgbClr val="FFC000"/>
-              </a:solidFill>
-            </a:endParaRPr>
           </a:p>
           <a:p>
             <a:pPr marL="0" lvl="1" indent="0">
@@ -6652,11 +6367,7 @@
               </a:tabLst>
             </a:pPr>
             <a:r>
-              <a:rPr lang="pt-BR" sz="2000" dirty="0" smtClean="0">
-                <a:solidFill>
-                  <a:srgbClr val="FFC000"/>
-                </a:solidFill>
-              </a:rPr>
+              <a:rPr lang="pt-BR" sz="2000" dirty="0" smtClean="0"/>
               <a:t>	}</a:t>
             </a:r>
           </a:p>
@@ -6671,11 +6382,7 @@
               </a:tabLst>
             </a:pPr>
             <a:r>
-              <a:rPr lang="pt-BR" sz="2000" dirty="0" smtClean="0">
-                <a:solidFill>
-                  <a:srgbClr val="FFC000"/>
-                </a:solidFill>
-              </a:rPr>
+              <a:rPr lang="pt-BR" sz="2000" dirty="0" smtClean="0"/>
               <a:t>}</a:t>
             </a:r>
           </a:p>

--- a/2-Java-Programmer-Modulo-II/05.Capitulo01.pptx
+++ b/2-Java-Programmer-Modulo-II/05.Capitulo01.pptx
@@ -252,7 +252,7 @@
               <a:pPr>
                 <a:defRPr/>
               </a:pPr>
-              <a:t>04/04/2012</a:t>
+              <a:t>05/05/2012</a:t>
             </a:fld>
             <a:endParaRPr lang="pt-BR"/>
           </a:p>
@@ -1504,7 +1504,7 @@
               <a:pPr>
                 <a:defRPr/>
               </a:pPr>
-              <a:t>04/04/2012</a:t>
+              <a:t>05/05/2012</a:t>
             </a:fld>
             <a:endParaRPr lang="pt-BR"/>
           </a:p>
@@ -1696,7 +1696,7 @@
               <a:pPr>
                 <a:defRPr/>
               </a:pPr>
-              <a:t>04/04/2012</a:t>
+              <a:t>05/05/2012</a:t>
             </a:fld>
             <a:endParaRPr lang="pt-BR"/>
           </a:p>
@@ -1898,7 +1898,7 @@
               <a:pPr>
                 <a:defRPr/>
               </a:pPr>
-              <a:t>04/04/2012</a:t>
+              <a:t>05/05/2012</a:t>
             </a:fld>
             <a:endParaRPr lang="pt-BR"/>
           </a:p>
@@ -2094,7 +2094,7 @@
               <a:pPr>
                 <a:defRPr/>
               </a:pPr>
-              <a:t>04/04/2012</a:t>
+              <a:t>05/05/2012</a:t>
             </a:fld>
             <a:endParaRPr lang="pt-BR"/>
           </a:p>
@@ -2600,7 +2600,7 @@
               <a:pPr>
                 <a:defRPr/>
               </a:pPr>
-              <a:t>04/04/2012</a:t>
+              <a:t>05/05/2012</a:t>
             </a:fld>
             <a:endParaRPr lang="pt-BR"/>
           </a:p>
@@ -2891,7 +2891,7 @@
               <a:pPr>
                 <a:defRPr/>
               </a:pPr>
-              <a:t>04/04/2012</a:t>
+              <a:t>05/05/2012</a:t>
             </a:fld>
             <a:endParaRPr lang="pt-BR"/>
           </a:p>
@@ -3292,7 +3292,7 @@
               <a:pPr>
                 <a:defRPr/>
               </a:pPr>
-              <a:t>04/04/2012</a:t>
+              <a:t>05/05/2012</a:t>
             </a:fld>
             <a:endParaRPr lang="pt-BR"/>
           </a:p>
@@ -3441,7 +3441,7 @@
               <a:pPr>
                 <a:defRPr/>
               </a:pPr>
-              <a:t>04/04/2012</a:t>
+              <a:t>05/05/2012</a:t>
             </a:fld>
             <a:endParaRPr lang="pt-BR"/>
           </a:p>
@@ -3558,7 +3558,7 @@
               <a:pPr>
                 <a:defRPr/>
               </a:pPr>
-              <a:t>04/04/2012</a:t>
+              <a:t>05/05/2012</a:t>
             </a:fld>
             <a:endParaRPr lang="pt-BR"/>
           </a:p>
@@ -3834,7 +3834,7 @@
               <a:pPr>
                 <a:defRPr/>
               </a:pPr>
-              <a:t>04/04/2012</a:t>
+              <a:t>05/05/2012</a:t>
             </a:fld>
             <a:endParaRPr lang="pt-BR"/>
           </a:p>
@@ -4118,7 +4118,7 @@
               <a:pPr>
                 <a:defRPr/>
               </a:pPr>
-              <a:t>04/04/2012</a:t>
+              <a:t>05/05/2012</a:t>
             </a:fld>
             <a:endParaRPr lang="pt-BR"/>
           </a:p>
@@ -4596,7 +4596,7 @@
               <a:pPr>
                 <a:defRPr/>
               </a:pPr>
-              <a:t>04/04/2012</a:t>
+              <a:t>05/05/2012</a:t>
             </a:fld>
             <a:endParaRPr lang="pt-BR"/>
           </a:p>
@@ -5186,6 +5186,28 @@
               <a:rPr lang="pt-BR" cap="none" dirty="0" err="1" smtClean="0"/>
               <a:t>Import</a:t>
             </a:r>
+            <a:r>
+              <a:rPr lang="pt-BR" cap="none" dirty="0" smtClean="0"/>
+              <a:t/>
+            </a:r>
+            <a:br>
+              <a:rPr lang="pt-BR" cap="none" dirty="0" smtClean="0"/>
+            </a:br>
+            <a:r>
+              <a:rPr lang="pt-BR" sz="1800" cap="none" dirty="0" smtClean="0"/>
+              <a:t>Pág. </a:t>
+            </a:r>
+            <a:r>
+              <a:rPr lang="pt-BR" sz="1800" cap="none" dirty="0" smtClean="0"/>
+              <a:t>39 e 40</a:t>
+            </a:r>
+            <a:r>
+              <a:rPr lang="pt-BR" sz="1800" cap="none" dirty="0" smtClean="0"/>
+              <a:t/>
+            </a:r>
+            <a:br>
+              <a:rPr lang="pt-BR" sz="1800" cap="none" dirty="0" smtClean="0"/>
+            </a:br>
             <a:endParaRPr lang="pt-BR" cap="none" dirty="0"/>
           </a:p>
         </p:txBody>
